--- a/CloudFormation.pptx
+++ b/CloudFormation.pptx
@@ -15,7 +15,7 @@
   </p:handoutMasterIdLst>
   <p:sldIdLst>
     <p:sldId id="446" r:id="rId5"/>
-    <p:sldId id="447" r:id="rId6"/>
+    <p:sldId id="455" r:id="rId6"/>
     <p:sldId id="451" r:id="rId7"/>
     <p:sldId id="449" r:id="rId8"/>
     <p:sldId id="453" r:id="rId9"/>
@@ -277,7 +277,7 @@
           <a:p>
             <a:fld id="{E54A69E4-EFBB-4687-8058-A94EE1B5781B}" type="datetimeFigureOut">
               <a:rPr lang="en-US" smtClean="0"/>
-              <a:t>1/30/2022</a:t>
+              <a:t>2/2/2022</a:t>
             </a:fld>
             <a:endParaRPr lang="en-US" dirty="0"/>
           </a:p>
@@ -454,7 +454,7 @@
           <a:p>
             <a:fld id="{CDE546B2-EB9C-4E9C-8793-C25F32D58B9A}" type="datetimeFigureOut">
               <a:rPr lang="en-US" smtClean="0"/>
-              <a:t>1/30/2022</a:t>
+              <a:t>2/2/2022</a:t>
             </a:fld>
             <a:endParaRPr lang="en-US" dirty="0"/>
           </a:p>
@@ -879,7 +879,7 @@
     </p:spTree>
     <p:extLst>
       <p:ext uri="{BB962C8B-B14F-4D97-AF65-F5344CB8AC3E}">
-        <p14:creationId xmlns:p14="http://schemas.microsoft.com/office/powerpoint/2010/main" val="2744080593"/>
+        <p14:creationId xmlns:p14="http://schemas.microsoft.com/office/powerpoint/2010/main" val="2103249605"/>
       </p:ext>
     </p:extLst>
   </p:cSld>
@@ -4950,7 +4950,7 @@
           <a:p>
             <a:fld id="{8F310904-DE8F-4B8E-99C6-5AFA03672FFA}" type="datetimeFigureOut">
               <a:rPr lang="en-US" smtClean="0"/>
-              <a:t>1/30/2022</a:t>
+              <a:t>2/2/2022</a:t>
             </a:fld>
             <a:endParaRPr lang="en-US" dirty="0"/>
           </a:p>
@@ -5481,7 +5481,7 @@
           <a:p>
             <a:fld id="{8F310904-DE8F-4B8E-99C6-5AFA03672FFA}" type="datetimeFigureOut">
               <a:rPr lang="en-US" smtClean="0"/>
-              <a:t>1/30/2022</a:t>
+              <a:t>2/2/2022</a:t>
             </a:fld>
             <a:endParaRPr lang="en-US" dirty="0"/>
           </a:p>
@@ -6009,7 +6009,7 @@
           <a:p>
             <a:fld id="{8F310904-DE8F-4B8E-99C6-5AFA03672FFA}" type="datetimeFigureOut">
               <a:rPr lang="en-US" smtClean="0"/>
-              <a:t>1/30/2022</a:t>
+              <a:t>2/2/2022</a:t>
             </a:fld>
             <a:endParaRPr lang="en-US" dirty="0"/>
           </a:p>
@@ -6537,7 +6537,7 @@
           <a:p>
             <a:fld id="{8F310904-DE8F-4B8E-99C6-5AFA03672FFA}" type="datetimeFigureOut">
               <a:rPr lang="en-US" smtClean="0"/>
-              <a:t>1/30/2022</a:t>
+              <a:t>2/2/2022</a:t>
             </a:fld>
             <a:endParaRPr lang="en-US" dirty="0"/>
           </a:p>
@@ -7083,10 +7083,10 @@
       </p:grpSpPr>
       <p:pic>
         <p:nvPicPr>
-          <p:cNvPr id="8" name="Picture Placeholder 7" descr="A person standing on a rock while looking at the ocean wave with outstretched arms">
-            <a:extLst>
-              <a:ext uri="{FF2B5EF4-FFF2-40B4-BE49-F238E27FC236}">
-                <a16:creationId xmlns:a16="http://schemas.microsoft.com/office/drawing/2014/main" id="{8C1A64BB-92C4-44CC-9AB7-8416F1B9BF56}"/>
+          <p:cNvPr id="8" name="Picture Placeholder 7" descr="Abstract image of curvy lines">
+            <a:extLst>
+              <a:ext uri="{FF2B5EF4-FFF2-40B4-BE49-F238E27FC236}">
+                <a16:creationId xmlns:a16="http://schemas.microsoft.com/office/drawing/2014/main" id="{81F59575-96AE-45B0-B1FB-3CFC139E9D12}"/>
               </a:ext>
             </a:extLst>
           </p:cNvPr>
@@ -7097,86 +7097,24 @@
             <p:ph type="pic" sz="quarter" idx="13"/>
           </p:nvPr>
         </p:nvPicPr>
-        <p:blipFill rotWithShape="1">
-          <a:blip r:embed="rId3" cstate="screen">
-            <a:extLst>
-              <a:ext uri="{28A0092B-C50C-407E-A947-70E740481C1C}">
-                <a14:useLocalDpi xmlns:a14="http://schemas.microsoft.com/office/drawing/2010/main"/>
-              </a:ext>
-            </a:extLst>
-          </a:blip>
+        <p:blipFill>
+          <a:blip r:embed="rId3"/>
           <a:srcRect/>
           <a:stretch/>
         </p:blipFill>
         <p:spPr>
           <a:xfrm>
-            <a:off x="0" y="0"/>
-            <a:ext cx="12192000" cy="6858000"/>
-          </a:xfrm>
-          <a:solidFill>
-            <a:srgbClr val="6768AB">
-              <a:alpha val="75000"/>
-            </a:srgbClr>
-          </a:solidFill>
+            <a:off x="225" y="0"/>
+            <a:ext cx="12191550" cy="6857999"/>
+          </a:xfrm>
         </p:spPr>
       </p:pic>
       <p:sp>
         <p:nvSpPr>
-          <p:cNvPr id="9" name="Rectangle 8" descr="Shaded overlay">
-            <a:extLst>
-              <a:ext uri="{FF2B5EF4-FFF2-40B4-BE49-F238E27FC236}">
-                <a16:creationId xmlns:a16="http://schemas.microsoft.com/office/drawing/2014/main" id="{558C501A-DC1F-4BA4-BFFA-44EF8845A384}"/>
-              </a:ext>
-            </a:extLst>
-          </p:cNvPr>
-          <p:cNvSpPr/>
-          <p:nvPr/>
-        </p:nvSpPr>
-        <p:spPr>
-          <a:xfrm>
-            <a:off x="0" y="0"/>
-            <a:ext cx="12192000" cy="6858000"/>
-          </a:xfrm>
-          <a:prstGeom prst="rect">
-            <a:avLst/>
-          </a:prstGeom>
-          <a:solidFill>
-            <a:srgbClr val="6768AB">
-              <a:alpha val="74902"/>
-            </a:srgbClr>
-          </a:solidFill>
-        </p:spPr>
-        <p:style>
-          <a:lnRef idx="2">
-            <a:schemeClr val="accent1">
-              <a:shade val="50000"/>
-            </a:schemeClr>
-          </a:lnRef>
-          <a:fillRef idx="1">
-            <a:schemeClr val="accent1"/>
-          </a:fillRef>
-          <a:effectRef idx="0">
-            <a:schemeClr val="accent1"/>
-          </a:effectRef>
-          <a:fontRef idx="minor">
-            <a:schemeClr val="lt1"/>
-          </a:fontRef>
-        </p:style>
-        <p:txBody>
-          <a:bodyPr rtlCol="0" anchor="ctr"/>
-          <a:lstStyle/>
-          <a:p>
-            <a:pPr algn="ctr"/>
-            <a:endParaRPr lang="en-US" dirty="0"/>
-          </a:p>
-        </p:txBody>
-      </p:sp>
-      <p:sp>
-        <p:nvSpPr>
           <p:cNvPr id="4" name="Title 3">
             <a:extLst>
               <a:ext uri="{FF2B5EF4-FFF2-40B4-BE49-F238E27FC236}">
-                <a16:creationId xmlns:a16="http://schemas.microsoft.com/office/drawing/2014/main" id="{135A981B-6487-4B00-9EAF-D0D748FA6014}"/>
+                <a16:creationId xmlns:a16="http://schemas.microsoft.com/office/drawing/2014/main" id="{08347D8D-E852-43D5-858E-2D01BE57FA93}"/>
               </a:ext>
             </a:extLst>
           </p:cNvPr>
@@ -7189,12 +7127,14 @@
         </p:nvSpPr>
         <p:spPr>
           <a:xfrm>
-            <a:off x="457199" y="914400"/>
-            <a:ext cx="11174819" cy="903767"/>
-          </a:xfrm>
-        </p:spPr>
-        <p:txBody>
-          <a:bodyPr/>
+            <a:off x="383308" y="774307"/>
+            <a:ext cx="7245927" cy="740457"/>
+          </a:xfrm>
+        </p:spPr>
+        <p:txBody>
+          <a:bodyPr anchor="t" anchorCtr="0">
+            <a:normAutofit/>
+          </a:bodyPr>
           <a:lstStyle/>
           <a:p>
             <a:r>
@@ -7217,80 +7157,267 @@
           <p:cNvPr id="6" name="Text Placeholder 5">
             <a:extLst>
               <a:ext uri="{FF2B5EF4-FFF2-40B4-BE49-F238E27FC236}">
-                <a16:creationId xmlns:a16="http://schemas.microsoft.com/office/drawing/2014/main" id="{B43F7E3B-CE99-4770-8587-6554C15693F8}"/>
-              </a:ext>
-            </a:extLst>
-          </p:cNvPr>
-          <p:cNvSpPr>
-            <a:spLocks noGrp="1"/>
-          </p:cNvSpPr>
-          <p:nvPr>
-            <p:ph type="body" sz="quarter" idx="14"/>
-          </p:nvPr>
-        </p:nvSpPr>
-        <p:spPr>
-          <a:xfrm>
-            <a:off x="526473" y="2170545"/>
-            <a:ext cx="7547679" cy="4266831"/>
-          </a:xfrm>
+                <a16:creationId xmlns:a16="http://schemas.microsoft.com/office/drawing/2014/main" id="{5625A968-9DB3-4B30-832B-55D40C825AE6}"/>
+              </a:ext>
+            </a:extLst>
+          </p:cNvPr>
+          <p:cNvSpPr txBox="1">
+            <a:spLocks/>
+          </p:cNvSpPr>
+          <p:nvPr/>
+        </p:nvSpPr>
+        <p:spPr>
+          <a:xfrm>
+            <a:off x="383308" y="1708727"/>
+            <a:ext cx="10464800" cy="4266831"/>
+          </a:xfrm>
+          <a:prstGeom prst="rect">
+            <a:avLst/>
+          </a:prstGeom>
         </p:spPr>
         <p:txBody>
           <a:bodyPr/>
-          <a:lstStyle/>
-          <a:p>
-            <a:r>
-              <a:rPr lang="en-US" dirty="0"/>
+          <a:lstStyle>
+            <a:lvl1pPr marL="228600" indent="-228600" algn="l" defTabSz="914400" rtl="0" eaLnBrk="1" latinLnBrk="0" hangingPunct="1">
+              <a:lnSpc>
+                <a:spcPct val="90000"/>
+              </a:lnSpc>
+              <a:spcBef>
+                <a:spcPts val="1000"/>
+              </a:spcBef>
+              <a:buFont typeface="Arial" panose="020B0604020202020204" pitchFamily="34" charset="0"/>
+              <a:buChar char="•"/>
+              <a:defRPr sz="2800" kern="1200">
+                <a:solidFill>
+                  <a:schemeClr val="tx1"/>
+                </a:solidFill>
+                <a:latin typeface="+mn-lt"/>
+                <a:ea typeface="+mn-ea"/>
+                <a:cs typeface="+mn-cs"/>
+              </a:defRPr>
+            </a:lvl1pPr>
+            <a:lvl2pPr marL="685800" indent="-228600" algn="l" defTabSz="914400" rtl="0" eaLnBrk="1" latinLnBrk="0" hangingPunct="1">
+              <a:lnSpc>
+                <a:spcPct val="90000"/>
+              </a:lnSpc>
+              <a:spcBef>
+                <a:spcPts val="500"/>
+              </a:spcBef>
+              <a:buFont typeface="Arial" panose="020B0604020202020204" pitchFamily="34" charset="0"/>
+              <a:buChar char="•"/>
+              <a:defRPr sz="2400" kern="1200">
+                <a:solidFill>
+                  <a:schemeClr val="tx1"/>
+                </a:solidFill>
+                <a:latin typeface="+mn-lt"/>
+                <a:ea typeface="+mn-ea"/>
+                <a:cs typeface="+mn-cs"/>
+              </a:defRPr>
+            </a:lvl2pPr>
+            <a:lvl3pPr marL="1143000" indent="-228600" algn="l" defTabSz="914400" rtl="0" eaLnBrk="1" latinLnBrk="0" hangingPunct="1">
+              <a:lnSpc>
+                <a:spcPct val="90000"/>
+              </a:lnSpc>
+              <a:spcBef>
+                <a:spcPts val="500"/>
+              </a:spcBef>
+              <a:buFont typeface="Arial" panose="020B0604020202020204" pitchFamily="34" charset="0"/>
+              <a:buChar char="•"/>
+              <a:defRPr sz="2000" kern="1200">
+                <a:solidFill>
+                  <a:schemeClr val="tx1"/>
+                </a:solidFill>
+                <a:latin typeface="+mn-lt"/>
+                <a:ea typeface="+mn-ea"/>
+                <a:cs typeface="+mn-cs"/>
+              </a:defRPr>
+            </a:lvl3pPr>
+            <a:lvl4pPr marL="1600200" indent="-228600" algn="l" defTabSz="914400" rtl="0" eaLnBrk="1" latinLnBrk="0" hangingPunct="1">
+              <a:lnSpc>
+                <a:spcPct val="90000"/>
+              </a:lnSpc>
+              <a:spcBef>
+                <a:spcPts val="500"/>
+              </a:spcBef>
+              <a:buFont typeface="Arial" panose="020B0604020202020204" pitchFamily="34" charset="0"/>
+              <a:buChar char="•"/>
+              <a:defRPr sz="1800" kern="1200">
+                <a:solidFill>
+                  <a:schemeClr val="tx1"/>
+                </a:solidFill>
+                <a:latin typeface="+mn-lt"/>
+                <a:ea typeface="+mn-ea"/>
+                <a:cs typeface="+mn-cs"/>
+              </a:defRPr>
+            </a:lvl4pPr>
+            <a:lvl5pPr marL="2057400" indent="-228600" algn="l" defTabSz="914400" rtl="0" eaLnBrk="1" latinLnBrk="0" hangingPunct="1">
+              <a:lnSpc>
+                <a:spcPct val="90000"/>
+              </a:lnSpc>
+              <a:spcBef>
+                <a:spcPts val="500"/>
+              </a:spcBef>
+              <a:buFont typeface="Arial" panose="020B0604020202020204" pitchFamily="34" charset="0"/>
+              <a:buChar char="•"/>
+              <a:defRPr sz="1800" kern="1200">
+                <a:solidFill>
+                  <a:schemeClr val="tx1"/>
+                </a:solidFill>
+                <a:latin typeface="+mn-lt"/>
+                <a:ea typeface="+mn-ea"/>
+                <a:cs typeface="+mn-cs"/>
+              </a:defRPr>
+            </a:lvl5pPr>
+            <a:lvl6pPr marL="2514600" indent="-228600" algn="l" defTabSz="914400" rtl="0" eaLnBrk="1" latinLnBrk="0" hangingPunct="1">
+              <a:lnSpc>
+                <a:spcPct val="90000"/>
+              </a:lnSpc>
+              <a:spcBef>
+                <a:spcPts val="500"/>
+              </a:spcBef>
+              <a:buFont typeface="Arial" panose="020B0604020202020204" pitchFamily="34" charset="0"/>
+              <a:buChar char="•"/>
+              <a:defRPr sz="1800" kern="1200">
+                <a:solidFill>
+                  <a:schemeClr val="tx1"/>
+                </a:solidFill>
+                <a:latin typeface="+mn-lt"/>
+                <a:ea typeface="+mn-ea"/>
+                <a:cs typeface="+mn-cs"/>
+              </a:defRPr>
+            </a:lvl6pPr>
+            <a:lvl7pPr marL="2971800" indent="-228600" algn="l" defTabSz="914400" rtl="0" eaLnBrk="1" latinLnBrk="0" hangingPunct="1">
+              <a:lnSpc>
+                <a:spcPct val="90000"/>
+              </a:lnSpc>
+              <a:spcBef>
+                <a:spcPts val="500"/>
+              </a:spcBef>
+              <a:buFont typeface="Arial" panose="020B0604020202020204" pitchFamily="34" charset="0"/>
+              <a:buChar char="•"/>
+              <a:defRPr sz="1800" kern="1200">
+                <a:solidFill>
+                  <a:schemeClr val="tx1"/>
+                </a:solidFill>
+                <a:latin typeface="+mn-lt"/>
+                <a:ea typeface="+mn-ea"/>
+                <a:cs typeface="+mn-cs"/>
+              </a:defRPr>
+            </a:lvl7pPr>
+            <a:lvl8pPr marL="3429000" indent="-228600" algn="l" defTabSz="914400" rtl="0" eaLnBrk="1" latinLnBrk="0" hangingPunct="1">
+              <a:lnSpc>
+                <a:spcPct val="90000"/>
+              </a:lnSpc>
+              <a:spcBef>
+                <a:spcPts val="500"/>
+              </a:spcBef>
+              <a:buFont typeface="Arial" panose="020B0604020202020204" pitchFamily="34" charset="0"/>
+              <a:buChar char="•"/>
+              <a:defRPr sz="1800" kern="1200">
+                <a:solidFill>
+                  <a:schemeClr val="tx1"/>
+                </a:solidFill>
+                <a:latin typeface="+mn-lt"/>
+                <a:ea typeface="+mn-ea"/>
+                <a:cs typeface="+mn-cs"/>
+              </a:defRPr>
+            </a:lvl8pPr>
+            <a:lvl9pPr marL="3886200" indent="-228600" algn="l" defTabSz="914400" rtl="0" eaLnBrk="1" latinLnBrk="0" hangingPunct="1">
+              <a:lnSpc>
+                <a:spcPct val="90000"/>
+              </a:lnSpc>
+              <a:spcBef>
+                <a:spcPts val="500"/>
+              </a:spcBef>
+              <a:buFont typeface="Arial" panose="020B0604020202020204" pitchFamily="34" charset="0"/>
+              <a:buChar char="•"/>
+              <a:defRPr sz="1800" kern="1200">
+                <a:solidFill>
+                  <a:schemeClr val="tx1"/>
+                </a:solidFill>
+                <a:latin typeface="+mn-lt"/>
+                <a:ea typeface="+mn-ea"/>
+                <a:cs typeface="+mn-cs"/>
+              </a:defRPr>
+            </a:lvl9pPr>
+          </a:lstStyle>
+          <a:p>
+            <a:r>
+              <a:rPr lang="en-US" sz="2400" dirty="0">
+                <a:solidFill>
+                  <a:schemeClr val="bg1"/>
+                </a:solidFill>
+              </a:rPr>
               <a:t>Treat infrastructure the same way developers treat code</a:t>
             </a:r>
           </a:p>
           <a:p>
-            <a:r>
-              <a:rPr lang="en-US" dirty="0"/>
+            <a:pPr marL="0" indent="0">
+              <a:buNone/>
+            </a:pPr>
+            <a:endParaRPr lang="en-US" sz="2400" dirty="0">
+              <a:solidFill>
+                <a:schemeClr val="bg1"/>
+              </a:solidFill>
+            </a:endParaRPr>
+          </a:p>
+          <a:p>
+            <a:r>
+              <a:rPr lang="en-US" sz="2400" dirty="0">
+                <a:solidFill>
+                  <a:schemeClr val="bg1"/>
+                </a:solidFill>
+              </a:rPr>
               <a:t>Code is stored in a source control system that logs a history of code development, changes, and bug fixes.</a:t>
             </a:r>
           </a:p>
           <a:p>
-            <a:endParaRPr lang="en-US" dirty="0"/>
-          </a:p>
-          <a:p>
-            <a:r>
-              <a:rPr lang="en-US" b="0" i="0" dirty="0">
+            <a:endParaRPr lang="en-US" sz="2400" dirty="0">
+              <a:solidFill>
+                <a:schemeClr val="bg1"/>
+              </a:solidFill>
+            </a:endParaRPr>
+          </a:p>
+          <a:p>
+            <a:r>
+              <a:rPr lang="en-US" sz="2400" dirty="0">
                 <a:solidFill>
-                  <a:srgbClr val="E6E6E6"/>
+                  <a:schemeClr val="bg1"/>
                 </a:solidFill>
-                <a:effectLst/>
                 <a:latin typeface="Segoe UI" panose="020B0502040204020203" pitchFamily="34" charset="0"/>
               </a:rPr>
               <a:t>Without </a:t>
             </a:r>
             <a:r>
-              <a:rPr lang="en-US" b="0" i="0" dirty="0" err="1">
+              <a:rPr lang="en-US" sz="2400" dirty="0" err="1">
                 <a:solidFill>
-                  <a:srgbClr val="E6E6E6"/>
+                  <a:schemeClr val="bg1"/>
                 </a:solidFill>
-                <a:effectLst/>
                 <a:latin typeface="Segoe UI" panose="020B0502040204020203" pitchFamily="34" charset="0"/>
               </a:rPr>
               <a:t>IaC</a:t>
             </a:r>
             <a:r>
-              <a:rPr lang="en-US" b="0" i="0" dirty="0">
+              <a:rPr lang="en-US" sz="2400" dirty="0">
                 <a:solidFill>
-                  <a:srgbClr val="E6E6E6"/>
+                  <a:schemeClr val="bg1"/>
                 </a:solidFill>
-                <a:effectLst/>
                 <a:latin typeface="Segoe UI" panose="020B0502040204020203" pitchFamily="34" charset="0"/>
               </a:rPr>
               <a:t>, teams must maintain the settings of individual deployment environments. The unique configuration for each environment cannot be reproduced automatically.</a:t>
             </a:r>
-            <a:endParaRPr lang="en-US" dirty="0"/>
+            <a:endParaRPr lang="en-US" sz="2400" dirty="0">
+              <a:solidFill>
+                <a:schemeClr val="bg1"/>
+              </a:solidFill>
+            </a:endParaRPr>
           </a:p>
         </p:txBody>
       </p:sp>
     </p:spTree>
     <p:extLst>
       <p:ext uri="{BB962C8B-B14F-4D97-AF65-F5344CB8AC3E}">
-        <p14:creationId xmlns:p14="http://schemas.microsoft.com/office/powerpoint/2010/main" val="3898511310"/>
+        <p14:creationId xmlns:p14="http://schemas.microsoft.com/office/powerpoint/2010/main" val="2608569283"/>
       </p:ext>
     </p:extLst>
   </p:cSld>
@@ -7364,7 +7491,7 @@
         <p:spPr>
           <a:xfrm>
             <a:off x="457200" y="498764"/>
-            <a:ext cx="6581554" cy="5387870"/>
+            <a:ext cx="10617200" cy="5387870"/>
           </a:xfrm>
         </p:spPr>
         <p:txBody>
@@ -7375,7 +7502,7 @@
           <a:p>
             <a:r>
               <a:rPr lang="en-US" dirty="0"/>
-              <a:t>Writing a template</a:t>
+              <a:t>Writing a template -</a:t>
             </a:r>
             <a:br>
               <a:rPr lang="en-US" dirty="0"/>
